--- a/Lab/PPT/第二次实验.pptx
+++ b/Lab/PPT/第二次实验.pptx
@@ -17,28 +17,28 @@
   <p:notesSz cx="7104063" cy="10234613"/>
   <p:embeddedFontLst>
     <p:embeddedFont>
-      <p:font typeface="Constantia" panose="02030602050306030303" pitchFamily="18" charset="0"/>
+      <p:font typeface="等线" panose="02010600030101010101" pitchFamily="2" charset="-122"/>
       <p:regular r:id="rId7"/>
       <p:bold r:id="rId8"/>
-      <p:italic r:id="rId9"/>
-      <p:boldItalic r:id="rId10"/>
     </p:embeddedFont>
     <p:embeddedFont>
-      <p:font typeface="Corbel" panose="020B0503020204020204" pitchFamily="34" charset="0"/>
+      <p:font typeface="微软雅黑" panose="020B0503020204020204" pitchFamily="34" charset="-122"/>
+      <p:regular r:id="rId9"/>
+      <p:bold r:id="rId10"/>
+    </p:embeddedFont>
+    <p:embeddedFont>
+      <p:font typeface="Constantia" panose="02030602050306030303" pitchFamily="18" charset="0"/>
       <p:regular r:id="rId11"/>
       <p:bold r:id="rId12"/>
       <p:italic r:id="rId13"/>
       <p:boldItalic r:id="rId14"/>
     </p:embeddedFont>
     <p:embeddedFont>
-      <p:font typeface="等线" panose="02010600030101010101" pitchFamily="2" charset="-122"/>
+      <p:font typeface="Corbel" panose="020B0503020204020204" pitchFamily="34" charset="0"/>
       <p:regular r:id="rId15"/>
       <p:bold r:id="rId16"/>
-    </p:embeddedFont>
-    <p:embeddedFont>
-      <p:font typeface="微软雅黑" panose="020B0503020204020204" pitchFamily="34" charset="-122"/>
-      <p:regular r:id="rId17"/>
-      <p:bold r:id="rId18"/>
+      <p:italic r:id="rId17"/>
+      <p:boldItalic r:id="rId18"/>
     </p:embeddedFont>
   </p:embeddedFontLst>
   <p:defaultTextStyle>
@@ -257,7 +257,7 @@
           <a:p>
             <a:fld id="{D2A48B96-639E-45A3-A0BA-2464DFDB1FAA}" type="datetimeFigureOut">
               <a:rPr lang="zh-CN" altLang="en-US" smtClean="0"/>
-              <a:t>2024/10/4</a:t>
+              <a:t>2025/9/19</a:t>
             </a:fld>
             <a:endParaRPr lang="zh-CN" altLang="en-US"/>
           </a:p>
@@ -1038,7 +1038,7 @@
           <a:p>
             <a:fld id="{82F288E0-7875-42C4-84C8-98DBBD3BF4D2}" type="datetimeFigureOut">
               <a:rPr lang="zh-CN" altLang="en-US" smtClean="0"/>
-              <a:t>2024/10/4</a:t>
+              <a:t>2025/9/19</a:t>
             </a:fld>
             <a:endParaRPr lang="zh-CN" altLang="en-US"/>
           </a:p>
@@ -1184,7 +1184,7 @@
           <a:p>
             <a:fld id="{82F288E0-7875-42C4-84C8-98DBBD3BF4D2}" type="datetimeFigureOut">
               <a:rPr lang="zh-CN" altLang="en-US" smtClean="0"/>
-              <a:t>2024/10/4</a:t>
+              <a:t>2025/9/19</a:t>
             </a:fld>
             <a:endParaRPr lang="zh-CN" altLang="en-US"/>
           </a:p>
@@ -1347,7 +1347,7 @@
           <a:p>
             <a:fld id="{82F288E0-7875-42C4-84C8-98DBBD3BF4D2}" type="datetimeFigureOut">
               <a:rPr lang="zh-CN" altLang="en-US" smtClean="0"/>
-              <a:t>2024/10/4</a:t>
+              <a:t>2025/9/19</a:t>
             </a:fld>
             <a:endParaRPr lang="zh-CN" altLang="en-US"/>
           </a:p>
@@ -1587,7 +1587,7 @@
           <a:p>
             <a:fld id="{82F288E0-7875-42C4-84C8-98DBBD3BF4D2}" type="datetimeFigureOut">
               <a:rPr lang="zh-CN" altLang="en-US" smtClean="0"/>
-              <a:t>2024/10/4</a:t>
+              <a:t>2025/9/19</a:t>
             </a:fld>
             <a:endParaRPr lang="zh-CN" altLang="en-US"/>
           </a:p>
@@ -1811,7 +1811,7 @@
           <a:p>
             <a:fld id="{82F288E0-7875-42C4-84C8-98DBBD3BF4D2}" type="datetimeFigureOut">
               <a:rPr lang="zh-CN" altLang="en-US" smtClean="0"/>
-              <a:t>2024/10/4</a:t>
+              <a:t>2025/9/19</a:t>
             </a:fld>
             <a:endParaRPr lang="zh-CN" altLang="en-US"/>
           </a:p>
@@ -2170,7 +2170,7 @@
           <a:p>
             <a:fld id="{82F288E0-7875-42C4-84C8-98DBBD3BF4D2}" type="datetimeFigureOut">
               <a:rPr lang="zh-CN" altLang="en-US" smtClean="0"/>
-              <a:t>2024/10/4</a:t>
+              <a:t>2025/9/19</a:t>
             </a:fld>
             <a:endParaRPr lang="zh-CN" altLang="en-US"/>
           </a:p>
@@ -2282,7 +2282,7 @@
           <a:p>
             <a:fld id="{82F288E0-7875-42C4-84C8-98DBBD3BF4D2}" type="datetimeFigureOut">
               <a:rPr lang="zh-CN" altLang="en-US" smtClean="0"/>
-              <a:t>2024/10/4</a:t>
+              <a:t>2025/9/19</a:t>
             </a:fld>
             <a:endParaRPr lang="zh-CN" altLang="en-US"/>
           </a:p>
@@ -2372,7 +2372,7 @@
           <a:p>
             <a:fld id="{82F288E0-7875-42C4-84C8-98DBBD3BF4D2}" type="datetimeFigureOut">
               <a:rPr lang="zh-CN" altLang="en-US" smtClean="0"/>
-              <a:t>2024/10/4</a:t>
+              <a:t>2025/9/19</a:t>
             </a:fld>
             <a:endParaRPr lang="zh-CN" altLang="en-US"/>
           </a:p>
@@ -2619,7 +2619,7 @@
           <a:p>
             <a:fld id="{82F288E0-7875-42C4-84C8-98DBBD3BF4D2}" type="datetimeFigureOut">
               <a:rPr lang="zh-CN" altLang="en-US" smtClean="0"/>
-              <a:t>2024/10/4</a:t>
+              <a:t>2025/9/19</a:t>
             </a:fld>
             <a:endParaRPr lang="zh-CN" altLang="en-US"/>
           </a:p>
@@ -2792,7 +2792,7 @@
           <a:p>
             <a:fld id="{82F288E0-7875-42C4-84C8-98DBBD3BF4D2}" type="datetimeFigureOut">
               <a:rPr lang="zh-CN" altLang="en-US" smtClean="0"/>
-              <a:t>2024/10/4</a:t>
+              <a:t>2025/9/19</a:t>
             </a:fld>
             <a:endParaRPr lang="zh-CN" altLang="en-US"/>
           </a:p>
@@ -2998,9 +2998,9 @@
           <a:p>
             <a:fld id="{82F288E0-7875-42C4-84C8-98DBBD3BF4D2}" type="datetimeFigureOut">
               <a:rPr lang="zh-CN" altLang="en-US" smtClean="0"/>
-              <a:t>2024/10/4</a:t>
+              <a:t>2025/9/19</a:t>
             </a:fld>
-            <a:endParaRPr lang="zh-CN" altLang="en-US"/>
+            <a:endParaRPr lang="zh-CN" altLang="en-US" dirty="0"/>
           </a:p>
         </p:txBody>
       </p:sp>
@@ -3665,7 +3665,7 @@
                 <a:latin typeface="Constantia" panose="02030602050306030303" pitchFamily="18" charset="0"/>
                 <a:cs typeface="Times" panose="00000500000000020000" pitchFamily="18" charset="0"/>
               </a:rPr>
-              <a:t>October 4, 2024</a:t>
+              <a:t>September 19, 2025</a:t>
             </a:fld>
             <a:endParaRPr lang="zh-CN" altLang="en-US" sz="1400" b="1" dirty="0">
               <a:solidFill>
@@ -3788,7 +3788,7 @@
                 <a:latin typeface="DengXian" panose="02010600030101010101" pitchFamily="2" charset="-122"/>
                 <a:ea typeface="DengXian" panose="02010600030101010101" pitchFamily="2" charset="-122"/>
               </a:rPr>
-              <a:t>2024</a:t>
+              <a:t>2025</a:t>
             </a:r>
             <a:r>
               <a:rPr lang="zh-CN" altLang="en-US" sz="5400" b="1" dirty="0">
@@ -3969,7 +3969,7 @@
                 <a:cs typeface="Times New Roman" panose="02020603050405020304" pitchFamily="18" charset="0"/>
                 <a:sym typeface="+mn-ea"/>
               </a:rPr>
-              <a:t>2024.10</a:t>
+              <a:t>2025.10</a:t>
             </a:r>
             <a:endParaRPr lang="en-US" altLang="zh-CN" sz="3600" b="1" dirty="0">
               <a:solidFill>
@@ -4323,7 +4323,7 @@
                 <a:latin typeface="Constantia" panose="02030602050306030303" pitchFamily="18" charset="0"/>
                 <a:cs typeface="Times" panose="00000500000000020000" pitchFamily="18" charset="0"/>
               </a:rPr>
-              <a:t>October 4, 2024</a:t>
+              <a:t>September 19, 2025</a:t>
             </a:fld>
             <a:endParaRPr lang="zh-CN" altLang="en-US" sz="1400" b="1" dirty="0">
               <a:solidFill>
@@ -4945,7 +4945,7 @@
                 <a:latin typeface="Constantia" panose="02030602050306030303" pitchFamily="18" charset="0"/>
                 <a:cs typeface="Times" panose="00000500000000020000" pitchFamily="18" charset="0"/>
               </a:rPr>
-              <a:t>October 4, 2024</a:t>
+              <a:t>September 19, 2025</a:t>
             </a:fld>
             <a:endParaRPr lang="zh-CN" altLang="en-US" sz="1400" b="1" dirty="0">
               <a:solidFill>
@@ -6109,7 +6109,7 @@
                 <a:latin typeface="Constantia" panose="02030602050306030303" pitchFamily="18" charset="0"/>
                 <a:cs typeface="Times" panose="00000500000000020000" pitchFamily="18" charset="0"/>
               </a:rPr>
-              <a:t>October 4, 2024</a:t>
+              <a:t>September 19, 2025</a:t>
             </a:fld>
             <a:endParaRPr lang="zh-CN" altLang="en-US" sz="1400" b="1" dirty="0">
               <a:solidFill>
@@ -6344,490 +6344,6 @@
           </a:p>
           <a:p>
             <a:endParaRPr lang="zh-CN" altLang="en-US" sz="2400" dirty="0">
-              <a:latin typeface="微软雅黑" panose="020B0503020204020204" pitchFamily="34" charset="-122"/>
-              <a:ea typeface="微软雅黑" panose="020B0503020204020204" pitchFamily="34" charset="-122"/>
-            </a:endParaRPr>
-          </a:p>
-        </p:txBody>
-      </p:sp>
-      <p:sp>
-        <p:nvSpPr>
-          <p:cNvPr id="8" name="文本框 7">
-            <a:extLst>
-              <a:ext uri="{FF2B5EF4-FFF2-40B4-BE49-F238E27FC236}">
-                <a16:creationId xmlns:a16="http://schemas.microsoft.com/office/drawing/2014/main" id="{2AE05711-968A-5F8D-B101-54FDCA761C54}"/>
-              </a:ext>
-            </a:extLst>
-          </p:cNvPr>
-          <p:cNvSpPr txBox="1"/>
-          <p:nvPr/>
-        </p:nvSpPr>
-        <p:spPr>
-          <a:xfrm>
-            <a:off x="800251" y="1552487"/>
-            <a:ext cx="2044149" cy="830997"/>
-          </a:xfrm>
-          <a:prstGeom prst="rect">
-            <a:avLst/>
-          </a:prstGeom>
-          <a:noFill/>
-        </p:spPr>
-        <p:txBody>
-          <a:bodyPr wrap="none" rtlCol="0">
-            <a:spAutoFit/>
-          </a:bodyPr>
-          <a:lstStyle/>
-          <a:p>
-            <a:r>
-              <a:rPr lang="en-US" altLang="zh-CN" sz="2400" dirty="0">
-                <a:latin typeface="微软雅黑" panose="020B0503020204020204" pitchFamily="34" charset="-122"/>
-                <a:ea typeface="微软雅黑" panose="020B0503020204020204" pitchFamily="34" charset="-122"/>
-              </a:rPr>
-              <a:t>U202311548</a:t>
-            </a:r>
-          </a:p>
-          <a:p>
-            <a:endParaRPr lang="zh-CN" altLang="en-US" sz="2400" dirty="0">
-              <a:latin typeface="微软雅黑" panose="020B0503020204020204" pitchFamily="34" charset="-122"/>
-              <a:ea typeface="微软雅黑" panose="020B0503020204020204" pitchFamily="34" charset="-122"/>
-            </a:endParaRPr>
-          </a:p>
-        </p:txBody>
-      </p:sp>
-      <p:sp>
-        <p:nvSpPr>
-          <p:cNvPr id="10" name="文本框 9">
-            <a:extLst>
-              <a:ext uri="{FF2B5EF4-FFF2-40B4-BE49-F238E27FC236}">
-                <a16:creationId xmlns:a16="http://schemas.microsoft.com/office/drawing/2014/main" id="{B09D8984-AF60-9D55-E64E-650DC48A36FA}"/>
-              </a:ext>
-            </a:extLst>
-          </p:cNvPr>
-          <p:cNvSpPr txBox="1"/>
-          <p:nvPr/>
-        </p:nvSpPr>
-        <p:spPr>
-          <a:xfrm>
-            <a:off x="800251" y="1999936"/>
-            <a:ext cx="2044149" cy="830997"/>
-          </a:xfrm>
-          <a:prstGeom prst="rect">
-            <a:avLst/>
-          </a:prstGeom>
-          <a:noFill/>
-        </p:spPr>
-        <p:txBody>
-          <a:bodyPr wrap="none" rtlCol="0">
-            <a:spAutoFit/>
-          </a:bodyPr>
-          <a:lstStyle/>
-          <a:p>
-            <a:r>
-              <a:rPr lang="en-US" altLang="zh-CN" sz="2400" dirty="0">
-                <a:latin typeface="微软雅黑" panose="020B0503020204020204" pitchFamily="34" charset="-122"/>
-                <a:ea typeface="微软雅黑" panose="020B0503020204020204" pitchFamily="34" charset="-122"/>
-              </a:rPr>
-              <a:t>U202311565</a:t>
-            </a:r>
-          </a:p>
-          <a:p>
-            <a:endParaRPr lang="zh-CN" altLang="en-US" sz="2400" dirty="0">
-              <a:latin typeface="微软雅黑" panose="020B0503020204020204" pitchFamily="34" charset="-122"/>
-              <a:ea typeface="微软雅黑" panose="020B0503020204020204" pitchFamily="34" charset="-122"/>
-            </a:endParaRPr>
-          </a:p>
-        </p:txBody>
-      </p:sp>
-      <p:sp>
-        <p:nvSpPr>
-          <p:cNvPr id="11" name="文本框 10">
-            <a:extLst>
-              <a:ext uri="{FF2B5EF4-FFF2-40B4-BE49-F238E27FC236}">
-                <a16:creationId xmlns:a16="http://schemas.microsoft.com/office/drawing/2014/main" id="{0696CFA3-651F-6675-6433-1FFA37295383}"/>
-              </a:ext>
-            </a:extLst>
-          </p:cNvPr>
-          <p:cNvSpPr txBox="1"/>
-          <p:nvPr/>
-        </p:nvSpPr>
-        <p:spPr>
-          <a:xfrm>
-            <a:off x="800251" y="2489347"/>
-            <a:ext cx="2044149" cy="830997"/>
-          </a:xfrm>
-          <a:prstGeom prst="rect">
-            <a:avLst/>
-          </a:prstGeom>
-          <a:noFill/>
-        </p:spPr>
-        <p:txBody>
-          <a:bodyPr wrap="none" rtlCol="0">
-            <a:spAutoFit/>
-          </a:bodyPr>
-          <a:lstStyle/>
-          <a:p>
-            <a:r>
-              <a:rPr lang="en-US" altLang="zh-CN" sz="2400" dirty="0">
-                <a:latin typeface="微软雅黑" panose="020B0503020204020204" pitchFamily="34" charset="-122"/>
-                <a:ea typeface="微软雅黑" panose="020B0503020204020204" pitchFamily="34" charset="-122"/>
-              </a:rPr>
-              <a:t>U202311555</a:t>
-            </a:r>
-          </a:p>
-          <a:p>
-            <a:endParaRPr lang="zh-CN" altLang="en-US" sz="2400" dirty="0">
-              <a:latin typeface="微软雅黑" panose="020B0503020204020204" pitchFamily="34" charset="-122"/>
-              <a:ea typeface="微软雅黑" panose="020B0503020204020204" pitchFamily="34" charset="-122"/>
-            </a:endParaRPr>
-          </a:p>
-        </p:txBody>
-      </p:sp>
-      <p:sp>
-        <p:nvSpPr>
-          <p:cNvPr id="12" name="文本框 11">
-            <a:extLst>
-              <a:ext uri="{FF2B5EF4-FFF2-40B4-BE49-F238E27FC236}">
-                <a16:creationId xmlns:a16="http://schemas.microsoft.com/office/drawing/2014/main" id="{33F4CC42-B26D-93D5-7143-B5D8EE8183A2}"/>
-              </a:ext>
-            </a:extLst>
-          </p:cNvPr>
-          <p:cNvSpPr txBox="1"/>
-          <p:nvPr/>
-        </p:nvSpPr>
-        <p:spPr>
-          <a:xfrm>
-            <a:off x="800251" y="2977223"/>
-            <a:ext cx="2044149" cy="830997"/>
-          </a:xfrm>
-          <a:prstGeom prst="rect">
-            <a:avLst/>
-          </a:prstGeom>
-          <a:noFill/>
-        </p:spPr>
-        <p:txBody>
-          <a:bodyPr wrap="none" rtlCol="0">
-            <a:spAutoFit/>
-          </a:bodyPr>
-          <a:lstStyle/>
-          <a:p>
-            <a:r>
-              <a:rPr lang="en-US" altLang="zh-CN" sz="2400" dirty="0">
-                <a:latin typeface="微软雅黑" panose="020B0503020204020204" pitchFamily="34" charset="-122"/>
-                <a:ea typeface="微软雅黑" panose="020B0503020204020204" pitchFamily="34" charset="-122"/>
-              </a:rPr>
-              <a:t>U202311564</a:t>
-            </a:r>
-          </a:p>
-          <a:p>
-            <a:endParaRPr lang="zh-CN" altLang="en-US" sz="2400" dirty="0">
-              <a:latin typeface="微软雅黑" panose="020B0503020204020204" pitchFamily="34" charset="-122"/>
-              <a:ea typeface="微软雅黑" panose="020B0503020204020204" pitchFamily="34" charset="-122"/>
-            </a:endParaRPr>
-          </a:p>
-        </p:txBody>
-      </p:sp>
-      <p:sp>
-        <p:nvSpPr>
-          <p:cNvPr id="22" name="文本框 21">
-            <a:extLst>
-              <a:ext uri="{FF2B5EF4-FFF2-40B4-BE49-F238E27FC236}">
-                <a16:creationId xmlns:a16="http://schemas.microsoft.com/office/drawing/2014/main" id="{DEBC8E79-8199-61D7-2076-637E6DC3EE82}"/>
-              </a:ext>
-            </a:extLst>
-          </p:cNvPr>
-          <p:cNvSpPr txBox="1"/>
-          <p:nvPr/>
-        </p:nvSpPr>
-        <p:spPr>
-          <a:xfrm>
-            <a:off x="800251" y="3466634"/>
-            <a:ext cx="2044149" cy="830997"/>
-          </a:xfrm>
-          <a:prstGeom prst="rect">
-            <a:avLst/>
-          </a:prstGeom>
-          <a:noFill/>
-        </p:spPr>
-        <p:txBody>
-          <a:bodyPr wrap="none" rtlCol="0">
-            <a:spAutoFit/>
-          </a:bodyPr>
-          <a:lstStyle/>
-          <a:p>
-            <a:r>
-              <a:rPr lang="en-US" altLang="zh-CN" sz="2400" dirty="0">
-                <a:latin typeface="微软雅黑" panose="020B0503020204020204" pitchFamily="34" charset="-122"/>
-                <a:ea typeface="微软雅黑" panose="020B0503020204020204" pitchFamily="34" charset="-122"/>
-              </a:rPr>
-              <a:t>U202311547</a:t>
-            </a:r>
-          </a:p>
-          <a:p>
-            <a:endParaRPr lang="zh-CN" altLang="en-US" sz="2400" dirty="0">
-              <a:latin typeface="微软雅黑" panose="020B0503020204020204" pitchFamily="34" charset="-122"/>
-              <a:ea typeface="微软雅黑" panose="020B0503020204020204" pitchFamily="34" charset="-122"/>
-            </a:endParaRPr>
-          </a:p>
-        </p:txBody>
-      </p:sp>
-      <p:sp>
-        <p:nvSpPr>
-          <p:cNvPr id="23" name="文本框 22">
-            <a:extLst>
-              <a:ext uri="{FF2B5EF4-FFF2-40B4-BE49-F238E27FC236}">
-                <a16:creationId xmlns:a16="http://schemas.microsoft.com/office/drawing/2014/main" id="{897B0F69-AEC1-D787-6968-5B985AD4D0BB}"/>
-              </a:ext>
-            </a:extLst>
-          </p:cNvPr>
-          <p:cNvSpPr txBox="1"/>
-          <p:nvPr/>
-        </p:nvSpPr>
-        <p:spPr>
-          <a:xfrm>
-            <a:off x="800251" y="3914083"/>
-            <a:ext cx="2044149" cy="830997"/>
-          </a:xfrm>
-          <a:prstGeom prst="rect">
-            <a:avLst/>
-          </a:prstGeom>
-          <a:noFill/>
-        </p:spPr>
-        <p:txBody>
-          <a:bodyPr wrap="none" rtlCol="0">
-            <a:spAutoFit/>
-          </a:bodyPr>
-          <a:lstStyle/>
-          <a:p>
-            <a:r>
-              <a:rPr lang="en-US" altLang="zh-CN" sz="2400" dirty="0">
-                <a:latin typeface="微软雅黑" panose="020B0503020204020204" pitchFamily="34" charset="-122"/>
-                <a:ea typeface="微软雅黑" panose="020B0503020204020204" pitchFamily="34" charset="-122"/>
-              </a:rPr>
-              <a:t>U202311563</a:t>
-            </a:r>
-          </a:p>
-          <a:p>
-            <a:endParaRPr lang="zh-CN" altLang="en-US" sz="2400" dirty="0">
-              <a:latin typeface="微软雅黑" panose="020B0503020204020204" pitchFamily="34" charset="-122"/>
-              <a:ea typeface="微软雅黑" panose="020B0503020204020204" pitchFamily="34" charset="-122"/>
-            </a:endParaRPr>
-          </a:p>
-        </p:txBody>
-      </p:sp>
-      <p:sp>
-        <p:nvSpPr>
-          <p:cNvPr id="28" name="文本框 27">
-            <a:extLst>
-              <a:ext uri="{FF2B5EF4-FFF2-40B4-BE49-F238E27FC236}">
-                <a16:creationId xmlns:a16="http://schemas.microsoft.com/office/drawing/2014/main" id="{97BC14CB-A06F-1C84-297A-0F68A2E05AD1}"/>
-              </a:ext>
-            </a:extLst>
-          </p:cNvPr>
-          <p:cNvSpPr txBox="1"/>
-          <p:nvPr/>
-        </p:nvSpPr>
-        <p:spPr>
-          <a:xfrm>
-            <a:off x="800251" y="4403494"/>
-            <a:ext cx="2044149" cy="830997"/>
-          </a:xfrm>
-          <a:prstGeom prst="rect">
-            <a:avLst/>
-          </a:prstGeom>
-          <a:noFill/>
-        </p:spPr>
-        <p:txBody>
-          <a:bodyPr wrap="none" rtlCol="0">
-            <a:spAutoFit/>
-          </a:bodyPr>
-          <a:lstStyle/>
-          <a:p>
-            <a:r>
-              <a:rPr lang="en-US" altLang="zh-CN" sz="2400" dirty="0">
-                <a:latin typeface="微软雅黑" panose="020B0503020204020204" pitchFamily="34" charset="-122"/>
-                <a:ea typeface="微软雅黑" panose="020B0503020204020204" pitchFamily="34" charset="-122"/>
-              </a:rPr>
-              <a:t>U202311587</a:t>
-            </a:r>
-          </a:p>
-          <a:p>
-            <a:endParaRPr lang="zh-CN" altLang="en-US" sz="2400" dirty="0">
-              <a:latin typeface="微软雅黑" panose="020B0503020204020204" pitchFamily="34" charset="-122"/>
-              <a:ea typeface="微软雅黑" panose="020B0503020204020204" pitchFamily="34" charset="-122"/>
-            </a:endParaRPr>
-          </a:p>
-        </p:txBody>
-      </p:sp>
-      <p:sp>
-        <p:nvSpPr>
-          <p:cNvPr id="31" name="文本框 30">
-            <a:extLst>
-              <a:ext uri="{FF2B5EF4-FFF2-40B4-BE49-F238E27FC236}">
-                <a16:creationId xmlns:a16="http://schemas.microsoft.com/office/drawing/2014/main" id="{C918CAF5-5324-E4DB-9A76-B7B85FB21B0E}"/>
-              </a:ext>
-            </a:extLst>
-          </p:cNvPr>
-          <p:cNvSpPr txBox="1"/>
-          <p:nvPr/>
-        </p:nvSpPr>
-        <p:spPr>
-          <a:xfrm>
-            <a:off x="800251" y="4851025"/>
-            <a:ext cx="2044149" cy="830997"/>
-          </a:xfrm>
-          <a:prstGeom prst="rect">
-            <a:avLst/>
-          </a:prstGeom>
-          <a:noFill/>
-        </p:spPr>
-        <p:txBody>
-          <a:bodyPr wrap="none" rtlCol="0">
-            <a:spAutoFit/>
-          </a:bodyPr>
-          <a:lstStyle/>
-          <a:p>
-            <a:r>
-              <a:rPr lang="en-US" altLang="zh-CN" sz="2400" dirty="0">
-                <a:latin typeface="微软雅黑" panose="020B0503020204020204" pitchFamily="34" charset="-122"/>
-                <a:ea typeface="微软雅黑" panose="020B0503020204020204" pitchFamily="34" charset="-122"/>
-              </a:rPr>
-              <a:t>U202311575</a:t>
-            </a:r>
-          </a:p>
-          <a:p>
-            <a:endParaRPr lang="zh-CN" altLang="en-US" sz="2400" dirty="0">
-              <a:latin typeface="微软雅黑" panose="020B0503020204020204" pitchFamily="34" charset="-122"/>
-              <a:ea typeface="微软雅黑" panose="020B0503020204020204" pitchFamily="34" charset="-122"/>
-            </a:endParaRPr>
-          </a:p>
-        </p:txBody>
-      </p:sp>
-      <p:sp>
-        <p:nvSpPr>
-          <p:cNvPr id="32" name="文本框 31">
-            <a:extLst>
-              <a:ext uri="{FF2B5EF4-FFF2-40B4-BE49-F238E27FC236}">
-                <a16:creationId xmlns:a16="http://schemas.microsoft.com/office/drawing/2014/main" id="{21328DF9-D6BB-AB12-0988-0B2F686B5794}"/>
-              </a:ext>
-            </a:extLst>
-          </p:cNvPr>
-          <p:cNvSpPr txBox="1"/>
-          <p:nvPr/>
-        </p:nvSpPr>
-        <p:spPr>
-          <a:xfrm>
-            <a:off x="800251" y="5340436"/>
-            <a:ext cx="2044149" cy="461665"/>
-          </a:xfrm>
-          <a:prstGeom prst="rect">
-            <a:avLst/>
-          </a:prstGeom>
-          <a:noFill/>
-        </p:spPr>
-        <p:txBody>
-          <a:bodyPr wrap="none" rtlCol="0">
-            <a:spAutoFit/>
-          </a:bodyPr>
-          <a:lstStyle/>
-          <a:p>
-            <a:r>
-              <a:rPr lang="en-US" altLang="zh-CN" sz="2400" dirty="0">
-                <a:latin typeface="微软雅黑" panose="020B0503020204020204" pitchFamily="34" charset="-122"/>
-                <a:ea typeface="微软雅黑" panose="020B0503020204020204" pitchFamily="34" charset="-122"/>
-              </a:rPr>
-              <a:t>U202311554</a:t>
-            </a:r>
-          </a:p>
-        </p:txBody>
-      </p:sp>
-      <p:sp>
-        <p:nvSpPr>
-          <p:cNvPr id="2" name="文本框 1">
-            <a:extLst>
-              <a:ext uri="{FF2B5EF4-FFF2-40B4-BE49-F238E27FC236}">
-                <a16:creationId xmlns:a16="http://schemas.microsoft.com/office/drawing/2014/main" id="{B448D9D1-8584-96F9-B561-0ED6E5B8EEA1}"/>
-              </a:ext>
-            </a:extLst>
-          </p:cNvPr>
-          <p:cNvSpPr txBox="1"/>
-          <p:nvPr/>
-        </p:nvSpPr>
-        <p:spPr>
-          <a:xfrm>
-            <a:off x="3385795" y="1063076"/>
-            <a:ext cx="2044149" cy="1200329"/>
-          </a:xfrm>
-          <a:prstGeom prst="rect">
-            <a:avLst/>
-          </a:prstGeom>
-          <a:noFill/>
-        </p:spPr>
-        <p:txBody>
-          <a:bodyPr wrap="none" rtlCol="0">
-            <a:spAutoFit/>
-          </a:bodyPr>
-          <a:lstStyle/>
-          <a:p>
-            <a:r>
-              <a:rPr lang="en-US" altLang="zh-CN" sz="2400" dirty="0">
-                <a:latin typeface="微软雅黑" panose="020B0503020204020204" pitchFamily="34" charset="-122"/>
-                <a:ea typeface="微软雅黑" panose="020B0503020204020204" pitchFamily="34" charset="-122"/>
-              </a:rPr>
-              <a:t>U202311556</a:t>
-            </a:r>
-          </a:p>
-          <a:p>
-            <a:endParaRPr lang="en-US" altLang="zh-CN" sz="2400" dirty="0">
-              <a:latin typeface="微软雅黑" panose="020B0503020204020204" pitchFamily="34" charset="-122"/>
-              <a:ea typeface="微软雅黑" panose="020B0503020204020204" pitchFamily="34" charset="-122"/>
-            </a:endParaRPr>
-          </a:p>
-          <a:p>
-            <a:endParaRPr lang="zh-CN" altLang="en-US" sz="2400" dirty="0">
-              <a:latin typeface="微软雅黑" panose="020B0503020204020204" pitchFamily="34" charset="-122"/>
-              <a:ea typeface="微软雅黑" panose="020B0503020204020204" pitchFamily="34" charset="-122"/>
-            </a:endParaRPr>
-          </a:p>
-        </p:txBody>
-      </p:sp>
-      <p:sp>
-        <p:nvSpPr>
-          <p:cNvPr id="3" name="文本框 2">
-            <a:extLst>
-              <a:ext uri="{FF2B5EF4-FFF2-40B4-BE49-F238E27FC236}">
-                <a16:creationId xmlns:a16="http://schemas.microsoft.com/office/drawing/2014/main" id="{4F5E56CC-50E2-D184-BC23-2BF1E478D109}"/>
-              </a:ext>
-            </a:extLst>
-          </p:cNvPr>
-          <p:cNvSpPr txBox="1"/>
-          <p:nvPr/>
-        </p:nvSpPr>
-        <p:spPr>
-          <a:xfrm>
-            <a:off x="3385795" y="1552487"/>
-            <a:ext cx="2044149" cy="830997"/>
-          </a:xfrm>
-          <a:prstGeom prst="rect">
-            <a:avLst/>
-          </a:prstGeom>
-          <a:noFill/>
-        </p:spPr>
-        <p:txBody>
-          <a:bodyPr wrap="none" rtlCol="0">
-            <a:spAutoFit/>
-          </a:bodyPr>
-          <a:lstStyle/>
-          <a:p>
-            <a:r>
-              <a:rPr lang="en-US" altLang="zh-CN" sz="2400" dirty="0">
-                <a:latin typeface="微软雅黑" panose="020B0503020204020204" pitchFamily="34" charset="-122"/>
-                <a:ea typeface="微软雅黑" panose="020B0503020204020204" pitchFamily="34" charset="-122"/>
-              </a:rPr>
-              <a:t>U202311579</a:t>
-            </a:r>
-          </a:p>
-          <a:p>
-            <a:endParaRPr lang="en-US" altLang="zh-CN" sz="2400" dirty="0">
               <a:latin typeface="微软雅黑" panose="020B0503020204020204" pitchFamily="34" charset="-122"/>
               <a:ea typeface="微软雅黑" panose="020B0503020204020204" pitchFamily="34" charset="-122"/>
             </a:endParaRPr>
@@ -6852,408 +6368,6 @@
       <p:transition/>
     </mc:Fallback>
   </mc:AlternateContent>
-  <p:timing>
-    <p:tnLst>
-      <p:par>
-        <p:cTn id="1" dur="indefinite" restart="never" nodeType="tmRoot">
-          <p:childTnLst>
-            <p:seq concurrent="1" nextAc="seek">
-              <p:cTn id="2" dur="indefinite" nodeType="mainSeq">
-                <p:childTnLst>
-                  <p:par>
-                    <p:cTn id="3" fill="hold">
-                      <p:stCondLst>
-                        <p:cond delay="indefinite"/>
-                      </p:stCondLst>
-                      <p:childTnLst>
-                        <p:par>
-                          <p:cTn id="4" fill="hold">
-                            <p:stCondLst>
-                              <p:cond delay="0"/>
-                            </p:stCondLst>
-                            <p:childTnLst>
-                              <p:par>
-                                <p:cTn id="5" presetID="1" presetClass="entr" presetSubtype="0" fill="hold" grpId="0" nodeType="clickEffect">
-                                  <p:stCondLst>
-                                    <p:cond delay="0"/>
-                                  </p:stCondLst>
-                                  <p:childTnLst>
-                                    <p:set>
-                                      <p:cBhvr>
-                                        <p:cTn id="6" dur="1" fill="hold">
-                                          <p:stCondLst>
-                                            <p:cond delay="0"/>
-                                          </p:stCondLst>
-                                        </p:cTn>
-                                        <p:tgtEl>
-                                          <p:spTgt spid="10"/>
-                                        </p:tgtEl>
-                                        <p:attrNameLst>
-                                          <p:attrName>style.visibility</p:attrName>
-                                        </p:attrNameLst>
-                                      </p:cBhvr>
-                                      <p:to>
-                                        <p:strVal val="visible"/>
-                                      </p:to>
-                                    </p:set>
-                                  </p:childTnLst>
-                                </p:cTn>
-                              </p:par>
-                              <p:par>
-                                <p:cTn id="7" presetID="1" presetClass="entr" presetSubtype="0" fill="hold" grpId="0" nodeType="withEffect">
-                                  <p:stCondLst>
-                                    <p:cond delay="0"/>
-                                  </p:stCondLst>
-                                  <p:childTnLst>
-                                    <p:set>
-                                      <p:cBhvr>
-                                        <p:cTn id="8" dur="1" fill="hold">
-                                          <p:stCondLst>
-                                            <p:cond delay="0"/>
-                                          </p:stCondLst>
-                                        </p:cTn>
-                                        <p:tgtEl>
-                                          <p:spTgt spid="11"/>
-                                        </p:tgtEl>
-                                        <p:attrNameLst>
-                                          <p:attrName>style.visibility</p:attrName>
-                                        </p:attrNameLst>
-                                      </p:cBhvr>
-                                      <p:to>
-                                        <p:strVal val="visible"/>
-                                      </p:to>
-                                    </p:set>
-                                  </p:childTnLst>
-                                </p:cTn>
-                              </p:par>
-                            </p:childTnLst>
-                          </p:cTn>
-                        </p:par>
-                      </p:childTnLst>
-                    </p:cTn>
-                  </p:par>
-                  <p:par>
-                    <p:cTn id="9" fill="hold">
-                      <p:stCondLst>
-                        <p:cond delay="indefinite"/>
-                      </p:stCondLst>
-                      <p:childTnLst>
-                        <p:par>
-                          <p:cTn id="10" fill="hold">
-                            <p:stCondLst>
-                              <p:cond delay="0"/>
-                            </p:stCondLst>
-                            <p:childTnLst>
-                              <p:par>
-                                <p:cTn id="11" presetID="1" presetClass="entr" presetSubtype="0" fill="hold" grpId="0" nodeType="clickEffect">
-                                  <p:stCondLst>
-                                    <p:cond delay="0"/>
-                                  </p:stCondLst>
-                                  <p:childTnLst>
-                                    <p:set>
-                                      <p:cBhvr>
-                                        <p:cTn id="12" dur="1" fill="hold">
-                                          <p:stCondLst>
-                                            <p:cond delay="0"/>
-                                          </p:stCondLst>
-                                        </p:cTn>
-                                        <p:tgtEl>
-                                          <p:spTgt spid="12"/>
-                                        </p:tgtEl>
-                                        <p:attrNameLst>
-                                          <p:attrName>style.visibility</p:attrName>
-                                        </p:attrNameLst>
-                                      </p:cBhvr>
-                                      <p:to>
-                                        <p:strVal val="visible"/>
-                                      </p:to>
-                                    </p:set>
-                                  </p:childTnLst>
-                                </p:cTn>
-                              </p:par>
-                              <p:par>
-                                <p:cTn id="13" presetID="1" presetClass="entr" presetSubtype="0" fill="hold" grpId="0" nodeType="withEffect">
-                                  <p:stCondLst>
-                                    <p:cond delay="0"/>
-                                  </p:stCondLst>
-                                  <p:childTnLst>
-                                    <p:set>
-                                      <p:cBhvr>
-                                        <p:cTn id="14" dur="1" fill="hold">
-                                          <p:stCondLst>
-                                            <p:cond delay="0"/>
-                                          </p:stCondLst>
-                                        </p:cTn>
-                                        <p:tgtEl>
-                                          <p:spTgt spid="22"/>
-                                        </p:tgtEl>
-                                        <p:attrNameLst>
-                                          <p:attrName>style.visibility</p:attrName>
-                                        </p:attrNameLst>
-                                      </p:cBhvr>
-                                      <p:to>
-                                        <p:strVal val="visible"/>
-                                      </p:to>
-                                    </p:set>
-                                  </p:childTnLst>
-                                </p:cTn>
-                              </p:par>
-                            </p:childTnLst>
-                          </p:cTn>
-                        </p:par>
-                      </p:childTnLst>
-                    </p:cTn>
-                  </p:par>
-                  <p:par>
-                    <p:cTn id="15" fill="hold">
-                      <p:stCondLst>
-                        <p:cond delay="indefinite"/>
-                      </p:stCondLst>
-                      <p:childTnLst>
-                        <p:par>
-                          <p:cTn id="16" fill="hold">
-                            <p:stCondLst>
-                              <p:cond delay="0"/>
-                            </p:stCondLst>
-                            <p:childTnLst>
-                              <p:par>
-                                <p:cTn id="17" presetID="1" presetClass="entr" presetSubtype="0" fill="hold" grpId="0" nodeType="clickEffect">
-                                  <p:stCondLst>
-                                    <p:cond delay="0"/>
-                                  </p:stCondLst>
-                                  <p:childTnLst>
-                                    <p:set>
-                                      <p:cBhvr>
-                                        <p:cTn id="18" dur="1" fill="hold">
-                                          <p:stCondLst>
-                                            <p:cond delay="0"/>
-                                          </p:stCondLst>
-                                        </p:cTn>
-                                        <p:tgtEl>
-                                          <p:spTgt spid="23"/>
-                                        </p:tgtEl>
-                                        <p:attrNameLst>
-                                          <p:attrName>style.visibility</p:attrName>
-                                        </p:attrNameLst>
-                                      </p:cBhvr>
-                                      <p:to>
-                                        <p:strVal val="visible"/>
-                                      </p:to>
-                                    </p:set>
-                                  </p:childTnLst>
-                                </p:cTn>
-                              </p:par>
-                              <p:par>
-                                <p:cTn id="19" presetID="1" presetClass="entr" presetSubtype="0" fill="hold" grpId="0" nodeType="withEffect">
-                                  <p:stCondLst>
-                                    <p:cond delay="0"/>
-                                  </p:stCondLst>
-                                  <p:childTnLst>
-                                    <p:set>
-                                      <p:cBhvr>
-                                        <p:cTn id="20" dur="1" fill="hold">
-                                          <p:stCondLst>
-                                            <p:cond delay="0"/>
-                                          </p:stCondLst>
-                                        </p:cTn>
-                                        <p:tgtEl>
-                                          <p:spTgt spid="28"/>
-                                        </p:tgtEl>
-                                        <p:attrNameLst>
-                                          <p:attrName>style.visibility</p:attrName>
-                                        </p:attrNameLst>
-                                      </p:cBhvr>
-                                      <p:to>
-                                        <p:strVal val="visible"/>
-                                      </p:to>
-                                    </p:set>
-                                  </p:childTnLst>
-                                </p:cTn>
-                              </p:par>
-                            </p:childTnLst>
-                          </p:cTn>
-                        </p:par>
-                      </p:childTnLst>
-                    </p:cTn>
-                  </p:par>
-                  <p:par>
-                    <p:cTn id="21" fill="hold">
-                      <p:stCondLst>
-                        <p:cond delay="indefinite"/>
-                      </p:stCondLst>
-                      <p:childTnLst>
-                        <p:par>
-                          <p:cTn id="22" fill="hold">
-                            <p:stCondLst>
-                              <p:cond delay="0"/>
-                            </p:stCondLst>
-                            <p:childTnLst>
-                              <p:par>
-                                <p:cTn id="23" presetID="1" presetClass="entr" presetSubtype="0" fill="hold" grpId="0" nodeType="clickEffect">
-                                  <p:stCondLst>
-                                    <p:cond delay="0"/>
-                                  </p:stCondLst>
-                                  <p:childTnLst>
-                                    <p:set>
-                                      <p:cBhvr>
-                                        <p:cTn id="24" dur="1" fill="hold">
-                                          <p:stCondLst>
-                                            <p:cond delay="0"/>
-                                          </p:stCondLst>
-                                        </p:cTn>
-                                        <p:tgtEl>
-                                          <p:spTgt spid="31"/>
-                                        </p:tgtEl>
-                                        <p:attrNameLst>
-                                          <p:attrName>style.visibility</p:attrName>
-                                        </p:attrNameLst>
-                                      </p:cBhvr>
-                                      <p:to>
-                                        <p:strVal val="visible"/>
-                                      </p:to>
-                                    </p:set>
-                                  </p:childTnLst>
-                                </p:cTn>
-                              </p:par>
-                              <p:par>
-                                <p:cTn id="25" presetID="1" presetClass="entr" presetSubtype="0" fill="hold" grpId="0" nodeType="withEffect">
-                                  <p:stCondLst>
-                                    <p:cond delay="0"/>
-                                  </p:stCondLst>
-                                  <p:childTnLst>
-                                    <p:set>
-                                      <p:cBhvr>
-                                        <p:cTn id="26" dur="1" fill="hold">
-                                          <p:stCondLst>
-                                            <p:cond delay="0"/>
-                                          </p:stCondLst>
-                                        </p:cTn>
-                                        <p:tgtEl>
-                                          <p:spTgt spid="32"/>
-                                        </p:tgtEl>
-                                        <p:attrNameLst>
-                                          <p:attrName>style.visibility</p:attrName>
-                                        </p:attrNameLst>
-                                      </p:cBhvr>
-                                      <p:to>
-                                        <p:strVal val="visible"/>
-                                      </p:to>
-                                    </p:set>
-                                  </p:childTnLst>
-                                </p:cTn>
-                              </p:par>
-                            </p:childTnLst>
-                          </p:cTn>
-                        </p:par>
-                      </p:childTnLst>
-                    </p:cTn>
-                  </p:par>
-                  <p:par>
-                    <p:cTn id="27" fill="hold">
-                      <p:stCondLst>
-                        <p:cond delay="indefinite"/>
-                      </p:stCondLst>
-                      <p:childTnLst>
-                        <p:par>
-                          <p:cTn id="28" fill="hold">
-                            <p:stCondLst>
-                              <p:cond delay="0"/>
-                            </p:stCondLst>
-                            <p:childTnLst>
-                              <p:par>
-                                <p:cTn id="29" presetID="1" presetClass="entr" presetSubtype="0" fill="hold" grpId="0" nodeType="clickEffect">
-                                  <p:stCondLst>
-                                    <p:cond delay="0"/>
-                                  </p:stCondLst>
-                                  <p:childTnLst>
-                                    <p:set>
-                                      <p:cBhvr>
-                                        <p:cTn id="30" dur="1" fill="hold">
-                                          <p:stCondLst>
-                                            <p:cond delay="0"/>
-                                          </p:stCondLst>
-                                        </p:cTn>
-                                        <p:tgtEl>
-                                          <p:spTgt spid="2"/>
-                                        </p:tgtEl>
-                                        <p:attrNameLst>
-                                          <p:attrName>style.visibility</p:attrName>
-                                        </p:attrNameLst>
-                                      </p:cBhvr>
-                                      <p:to>
-                                        <p:strVal val="visible"/>
-                                      </p:to>
-                                    </p:set>
-                                  </p:childTnLst>
-                                </p:cTn>
-                              </p:par>
-                              <p:par>
-                                <p:cTn id="31" presetID="1" presetClass="entr" presetSubtype="0" fill="hold" grpId="0" nodeType="withEffect">
-                                  <p:stCondLst>
-                                    <p:cond delay="0"/>
-                                  </p:stCondLst>
-                                  <p:childTnLst>
-                                    <p:set>
-                                      <p:cBhvr>
-                                        <p:cTn id="32" dur="1" fill="hold">
-                                          <p:stCondLst>
-                                            <p:cond delay="0"/>
-                                          </p:stCondLst>
-                                        </p:cTn>
-                                        <p:tgtEl>
-                                          <p:spTgt spid="3"/>
-                                        </p:tgtEl>
-                                        <p:attrNameLst>
-                                          <p:attrName>style.visibility</p:attrName>
-                                        </p:attrNameLst>
-                                      </p:cBhvr>
-                                      <p:to>
-                                        <p:strVal val="visible"/>
-                                      </p:to>
-                                    </p:set>
-                                  </p:childTnLst>
-                                </p:cTn>
-                              </p:par>
-                            </p:childTnLst>
-                          </p:cTn>
-                        </p:par>
-                      </p:childTnLst>
-                    </p:cTn>
-                  </p:par>
-                </p:childTnLst>
-              </p:cTn>
-              <p:prevCondLst>
-                <p:cond evt="onPrev" delay="0">
-                  <p:tgtEl>
-                    <p:sldTgt/>
-                  </p:tgtEl>
-                </p:cond>
-              </p:prevCondLst>
-              <p:nextCondLst>
-                <p:cond evt="onNext" delay="0">
-                  <p:tgtEl>
-                    <p:sldTgt/>
-                  </p:tgtEl>
-                </p:cond>
-              </p:nextCondLst>
-            </p:seq>
-          </p:childTnLst>
-        </p:cTn>
-      </p:par>
-    </p:tnLst>
-    <p:bldLst>
-      <p:bldP spid="10" grpId="0"/>
-      <p:bldP spid="11" grpId="0"/>
-      <p:bldP spid="12" grpId="0"/>
-      <p:bldP spid="22" grpId="0"/>
-      <p:bldP spid="23" grpId="0"/>
-      <p:bldP spid="28" grpId="0"/>
-      <p:bldP spid="31" grpId="0"/>
-      <p:bldP spid="32" grpId="0"/>
-      <p:bldP spid="2" grpId="0"/>
-      <p:bldP spid="3" grpId="0"/>
-    </p:bldLst>
-  </p:timing>
 </p:sld>
 </file>
 
